--- a/src/kimsunmin/H5work.pptx
+++ b/src/kimsunmin/H5work.pptx
@@ -249,7 +249,7 @@
           <a:p>
             <a:fld id="{B6DF50B9-776E-4B96-834E-DB56E8CF811E}" type="datetimeFigureOut">
               <a:rPr lang="ko-KR" altLang="en-US" smtClean="0"/>
-              <a:t>2019-03-03</a:t>
+              <a:t>2019-03-05</a:t>
             </a:fld>
             <a:endParaRPr lang="ko-KR" altLang="en-US"/>
           </a:p>
@@ -419,7 +419,7 @@
           <a:p>
             <a:fld id="{B6DF50B9-776E-4B96-834E-DB56E8CF811E}" type="datetimeFigureOut">
               <a:rPr lang="ko-KR" altLang="en-US" smtClean="0"/>
-              <a:t>2019-03-03</a:t>
+              <a:t>2019-03-05</a:t>
             </a:fld>
             <a:endParaRPr lang="ko-KR" altLang="en-US"/>
           </a:p>
@@ -599,7 +599,7 @@
           <a:p>
             <a:fld id="{B6DF50B9-776E-4B96-834E-DB56E8CF811E}" type="datetimeFigureOut">
               <a:rPr lang="ko-KR" altLang="en-US" smtClean="0"/>
-              <a:t>2019-03-03</a:t>
+              <a:t>2019-03-05</a:t>
             </a:fld>
             <a:endParaRPr lang="ko-KR" altLang="en-US"/>
           </a:p>
@@ -769,7 +769,7 @@
           <a:p>
             <a:fld id="{B6DF50B9-776E-4B96-834E-DB56E8CF811E}" type="datetimeFigureOut">
               <a:rPr lang="ko-KR" altLang="en-US" smtClean="0"/>
-              <a:t>2019-03-03</a:t>
+              <a:t>2019-03-05</a:t>
             </a:fld>
             <a:endParaRPr lang="ko-KR" altLang="en-US"/>
           </a:p>
@@ -1015,7 +1015,7 @@
           <a:p>
             <a:fld id="{B6DF50B9-776E-4B96-834E-DB56E8CF811E}" type="datetimeFigureOut">
               <a:rPr lang="ko-KR" altLang="en-US" smtClean="0"/>
-              <a:t>2019-03-03</a:t>
+              <a:t>2019-03-05</a:t>
             </a:fld>
             <a:endParaRPr lang="ko-KR" altLang="en-US"/>
           </a:p>
@@ -1247,7 +1247,7 @@
           <a:p>
             <a:fld id="{B6DF50B9-776E-4B96-834E-DB56E8CF811E}" type="datetimeFigureOut">
               <a:rPr lang="ko-KR" altLang="en-US" smtClean="0"/>
-              <a:t>2019-03-03</a:t>
+              <a:t>2019-03-05</a:t>
             </a:fld>
             <a:endParaRPr lang="ko-KR" altLang="en-US"/>
           </a:p>
@@ -1614,7 +1614,7 @@
           <a:p>
             <a:fld id="{B6DF50B9-776E-4B96-834E-DB56E8CF811E}" type="datetimeFigureOut">
               <a:rPr lang="ko-KR" altLang="en-US" smtClean="0"/>
-              <a:t>2019-03-03</a:t>
+              <a:t>2019-03-05</a:t>
             </a:fld>
             <a:endParaRPr lang="ko-KR" altLang="en-US"/>
           </a:p>
@@ -1732,7 +1732,7 @@
           <a:p>
             <a:fld id="{B6DF50B9-776E-4B96-834E-DB56E8CF811E}" type="datetimeFigureOut">
               <a:rPr lang="ko-KR" altLang="en-US" smtClean="0"/>
-              <a:t>2019-03-03</a:t>
+              <a:t>2019-03-05</a:t>
             </a:fld>
             <a:endParaRPr lang="ko-KR" altLang="en-US"/>
           </a:p>
@@ -1827,7 +1827,7 @@
           <a:p>
             <a:fld id="{B6DF50B9-776E-4B96-834E-DB56E8CF811E}" type="datetimeFigureOut">
               <a:rPr lang="ko-KR" altLang="en-US" smtClean="0"/>
-              <a:t>2019-03-03</a:t>
+              <a:t>2019-03-05</a:t>
             </a:fld>
             <a:endParaRPr lang="ko-KR" altLang="en-US"/>
           </a:p>
@@ -2104,7 +2104,7 @@
           <a:p>
             <a:fld id="{B6DF50B9-776E-4B96-834E-DB56E8CF811E}" type="datetimeFigureOut">
               <a:rPr lang="ko-KR" altLang="en-US" smtClean="0"/>
-              <a:t>2019-03-03</a:t>
+              <a:t>2019-03-05</a:t>
             </a:fld>
             <a:endParaRPr lang="ko-KR" altLang="en-US"/>
           </a:p>
@@ -2357,7 +2357,7 @@
           <a:p>
             <a:fld id="{B6DF50B9-776E-4B96-834E-DB56E8CF811E}" type="datetimeFigureOut">
               <a:rPr lang="ko-KR" altLang="en-US" smtClean="0"/>
-              <a:t>2019-03-03</a:t>
+              <a:t>2019-03-05</a:t>
             </a:fld>
             <a:endParaRPr lang="ko-KR" altLang="en-US"/>
           </a:p>
@@ -2570,7 +2570,7 @@
           <a:p>
             <a:fld id="{B6DF50B9-776E-4B96-834E-DB56E8CF811E}" type="datetimeFigureOut">
               <a:rPr lang="ko-KR" altLang="en-US" smtClean="0"/>
-              <a:t>2019-03-03</a:t>
+              <a:t>2019-03-05</a:t>
             </a:fld>
             <a:endParaRPr lang="ko-KR" altLang="en-US"/>
           </a:p>
@@ -3400,8 +3400,8 @@
         </p:nvSpPr>
         <p:spPr>
           <a:xfrm>
-            <a:off x="507077" y="457200"/>
-            <a:ext cx="2302626" cy="584775"/>
+            <a:off x="4395119" y="380926"/>
+            <a:ext cx="3022139" cy="769441"/>
           </a:xfrm>
           <a:prstGeom prst="rect">
             <a:avLst/>
@@ -3415,77 +3415,142 @@
           <a:lstStyle/>
           <a:p>
             <a:r>
-              <a:rPr lang="en-US" altLang="ko-KR" sz="3200" dirty="0" smtClean="0"/>
+              <a:rPr lang="en-US" altLang="ko-KR" sz="4400" dirty="0" smtClean="0"/>
               <a:t>Framework</a:t>
             </a:r>
-            <a:endParaRPr lang="ko-KR" altLang="en-US" dirty="0"/>
-          </a:p>
-        </p:txBody>
-      </p:sp>
-      <p:sp>
-        <p:nvSpPr>
-          <p:cNvPr id="2" name="TextBox 1"/>
-          <p:cNvSpPr txBox="1"/>
+            <a:endParaRPr lang="ko-KR" altLang="en-US" sz="2800" dirty="0"/>
+          </a:p>
+        </p:txBody>
+      </p:sp>
+      <p:sp>
+        <p:nvSpPr>
+          <p:cNvPr id="3" name="직사각형 2"/>
+          <p:cNvSpPr/>
           <p:nvPr/>
         </p:nvSpPr>
         <p:spPr>
           <a:xfrm>
-            <a:off x="457200" y="1271847"/>
-            <a:ext cx="10989425" cy="3693319"/>
+            <a:off x="658552" y="1309755"/>
+            <a:ext cx="10495279" cy="646331"/>
           </a:xfrm>
           <a:prstGeom prst="rect">
             <a:avLst/>
           </a:prstGeom>
-          <a:noFill/>
-        </p:spPr>
-        <p:txBody>
-          <a:bodyPr wrap="square" rtlCol="0">
+        </p:spPr>
+        <p:txBody>
+          <a:bodyPr wrap="square">
             <a:spAutoFit/>
           </a:bodyPr>
           <a:lstStyle/>
           <a:p>
             <a:r>
               <a:rPr lang="ko-KR" altLang="en-US" dirty="0" smtClean="0"/>
-              <a:t>사전적 정의 </a:t>
-            </a:r>
-            <a:r>
-              <a:rPr lang="en-US" altLang="ko-KR" dirty="0" smtClean="0"/>
-              <a:t>: </a:t>
-            </a:r>
-          </a:p>
-          <a:p>
+              <a:t>개발을 수월하게 하기 위해 소프트웨어의 구체적 기능들에 해당하는 부분의 설계와 구현을 재사용 가능하도록 </a:t>
+            </a:r>
+            <a:r>
+              <a:rPr lang="ko-KR" altLang="en-US" dirty="0" err="1" smtClean="0"/>
+              <a:t>협업화된</a:t>
+            </a:r>
             <a:r>
               <a:rPr lang="ko-KR" altLang="en-US" dirty="0" smtClean="0"/>
-              <a:t>소프트웨어 </a:t>
-            </a:r>
-            <a:r>
-              <a:rPr lang="ko-KR" altLang="en-US" dirty="0"/>
-              <a:t>어플리케이션이나 솔루션의 개발을 수월하게 하기 위해 소프트웨어의 구체적 기능들에 해당하는 부분의 설계와 구현을 재사용 가능하도록 </a:t>
-            </a:r>
-            <a:r>
-              <a:rPr lang="ko-KR" altLang="en-US" dirty="0" err="1"/>
-              <a:t>협업화된</a:t>
-            </a:r>
-            <a:r>
-              <a:rPr lang="ko-KR" altLang="en-US" dirty="0"/>
-              <a:t> 형태로 제공하는 소프트웨어 환경을 말한다</a:t>
+              <a:t> 형태로 제공하는 환경을 말한다</a:t>
             </a:r>
             <a:r>
               <a:rPr lang="en-US" altLang="ko-KR" dirty="0" smtClean="0"/>
               <a:t>.</a:t>
             </a:r>
-          </a:p>
-          <a:p>
             <a:endParaRPr lang="en-US" altLang="ko-KR" dirty="0"/>
           </a:p>
-          <a:p>
+        </p:txBody>
+      </p:sp>
+      <p:sp>
+        <p:nvSpPr>
+          <p:cNvPr id="4" name="직사각형 3"/>
+          <p:cNvSpPr/>
+          <p:nvPr/>
+        </p:nvSpPr>
+        <p:spPr>
+          <a:xfrm>
+            <a:off x="658551" y="1998563"/>
+            <a:ext cx="10495279" cy="646331"/>
+          </a:xfrm>
+          <a:prstGeom prst="rect">
+            <a:avLst/>
+          </a:prstGeom>
+        </p:spPr>
+        <p:txBody>
+          <a:bodyPr wrap="square">
+            <a:spAutoFit/>
+          </a:bodyPr>
+          <a:lstStyle/>
+          <a:p>
+            <a:r>
+              <a:rPr lang="ko-KR" altLang="en-US" dirty="0"/>
+              <a:t>즉</a:t>
+            </a:r>
+            <a:r>
+              <a:rPr lang="en-US" altLang="ko-KR" dirty="0"/>
+              <a:t>, Framework</a:t>
+            </a:r>
+            <a:r>
+              <a:rPr lang="ko-KR" altLang="en-US" dirty="0"/>
+              <a:t>는 우리가 지금까지 했던 </a:t>
+            </a:r>
             <a:r>
               <a:rPr lang="ko-KR" altLang="en-US" dirty="0" smtClean="0"/>
-              <a:t>즉</a:t>
-            </a:r>
-            <a:r>
-              <a:rPr lang="en-US" altLang="ko-KR" dirty="0" smtClean="0"/>
-              <a:t>, </a:t>
+              <a:t>데이터베이스와의 </a:t>
+            </a:r>
+            <a:r>
+              <a:rPr lang="ko-KR" altLang="en-US" dirty="0"/>
+              <a:t>연결</a:t>
+            </a:r>
+            <a:r>
+              <a:rPr lang="en-US" altLang="ko-KR" dirty="0"/>
+              <a:t>,</a:t>
+            </a:r>
+            <a:r>
+              <a:rPr lang="ko-KR" altLang="en-US" dirty="0"/>
+              <a:t> 서버를 동작시키는 것</a:t>
+            </a:r>
+            <a:r>
+              <a:rPr lang="en-US" altLang="ko-KR" dirty="0"/>
+              <a:t> </a:t>
+            </a:r>
+            <a:r>
+              <a:rPr lang="ko-KR" altLang="en-US" dirty="0"/>
+              <a:t>등을 미리 손 쉽게 할 수 있도록 만들어 놓은 것이라고 요약할 수 있다</a:t>
+            </a:r>
+            <a:r>
+              <a:rPr lang="en-US" altLang="ko-KR" dirty="0"/>
+              <a:t>.</a:t>
+            </a:r>
+          </a:p>
+        </p:txBody>
+      </p:sp>
+      <p:sp>
+        <p:nvSpPr>
+          <p:cNvPr id="5" name="직사각형 4"/>
+          <p:cNvSpPr/>
+          <p:nvPr/>
+        </p:nvSpPr>
+        <p:spPr>
+          <a:xfrm>
+            <a:off x="2528219" y="2963670"/>
+            <a:ext cx="6755941" cy="646331"/>
+          </a:xfrm>
+          <a:prstGeom prst="rect">
+            <a:avLst/>
+          </a:prstGeom>
+        </p:spPr>
+        <p:txBody>
+          <a:bodyPr wrap="square">
+            <a:spAutoFit/>
+          </a:bodyPr>
+          <a:lstStyle/>
+          <a:p>
+            <a:r>
+              <a:rPr lang="ko-KR" altLang="en-US" dirty="0"/>
+              <a:t>이러한 </a:t>
             </a:r>
             <a:r>
               <a:rPr lang="en-US" altLang="ko-KR" dirty="0"/>
@@ -3493,106 +3558,25 @@
             </a:r>
             <a:r>
               <a:rPr lang="ko-KR" altLang="en-US" dirty="0"/>
-              <a:t>는 우리가 지금까지 했던 </a:t>
-            </a:r>
-            <a:r>
-              <a:rPr lang="en-US" altLang="ko-KR" dirty="0" err="1"/>
-              <a:t>DataBase</a:t>
-            </a:r>
-            <a:r>
-              <a:rPr lang="ko-KR" altLang="en-US" dirty="0"/>
-              <a:t>와의 연결</a:t>
-            </a:r>
-            <a:r>
-              <a:rPr lang="en-US" altLang="ko-KR" dirty="0"/>
-              <a:t>,</a:t>
-            </a:r>
-            <a:r>
-              <a:rPr lang="ko-KR" altLang="en-US" dirty="0"/>
-              <a:t> 서버를 동작시키는 것</a:t>
-            </a:r>
-            <a:r>
-              <a:rPr lang="en-US" altLang="ko-KR" dirty="0"/>
-              <a:t> </a:t>
+              <a:t>에는 </a:t>
+            </a:r>
+            <a:r>
+              <a:rPr lang="en-US" altLang="ko-KR" sz="3600" dirty="0" smtClean="0"/>
+              <a:t>‘MVC </a:t>
+            </a:r>
+            <a:r>
+              <a:rPr lang="ko-KR" altLang="en-US" sz="3600" dirty="0" smtClean="0"/>
+              <a:t>패턴</a:t>
+            </a:r>
+            <a:r>
+              <a:rPr lang="en-US" altLang="ko-KR" sz="3600" dirty="0" smtClean="0"/>
+              <a:t>’</a:t>
             </a:r>
             <a:r>
               <a:rPr lang="ko-KR" altLang="en-US" dirty="0" smtClean="0"/>
-              <a:t>등을 미리 손 쉽게 할 수 있도록 만들어 놓은 것이라고 요약할 수 있다</a:t>
-            </a:r>
-            <a:r>
-              <a:rPr lang="en-US" altLang="ko-KR" dirty="0" smtClean="0"/>
-              <a:t>.</a:t>
-            </a:r>
-          </a:p>
-          <a:p>
+              <a:t> 이라는 것이 존재</a:t>
+            </a:r>
             <a:endParaRPr lang="en-US" altLang="ko-KR" dirty="0"/>
-          </a:p>
-          <a:p>
-            <a:r>
-              <a:rPr lang="ko-KR" altLang="en-US" dirty="0" smtClean="0"/>
-              <a:t>이러한 </a:t>
-            </a:r>
-            <a:r>
-              <a:rPr lang="en-US" altLang="ko-KR" dirty="0" smtClean="0"/>
-              <a:t>Framework</a:t>
-            </a:r>
-            <a:r>
-              <a:rPr lang="ko-KR" altLang="en-US" dirty="0" smtClean="0"/>
-              <a:t>에는 데이터베이스 부분을 제작하는 것과 사용자에게 보여질 부분을 제작하는 것</a:t>
-            </a:r>
-            <a:r>
-              <a:rPr lang="en-US" altLang="ko-KR" dirty="0"/>
-              <a:t> </a:t>
-            </a:r>
-            <a:r>
-              <a:rPr lang="ko-KR" altLang="en-US" dirty="0" smtClean="0"/>
-              <a:t>그리고</a:t>
-            </a:r>
-            <a:r>
-              <a:rPr lang="en-US" altLang="ko-KR" dirty="0" smtClean="0"/>
-              <a:t>, </a:t>
-            </a:r>
-            <a:r>
-              <a:rPr lang="ko-KR" altLang="en-US" dirty="0" smtClean="0"/>
-              <a:t>이 두 부분을 연결하고</a:t>
-            </a:r>
-            <a:r>
-              <a:rPr lang="en-US" altLang="ko-KR" dirty="0" smtClean="0"/>
-              <a:t>, </a:t>
-            </a:r>
-            <a:r>
-              <a:rPr lang="ko-KR" altLang="en-US" dirty="0" smtClean="0"/>
-              <a:t>조작하는 부분으로 나누어지는 </a:t>
-            </a:r>
-            <a:r>
-              <a:rPr lang="en-US" altLang="ko-KR" dirty="0" smtClean="0"/>
-              <a:t>MVC </a:t>
-            </a:r>
-            <a:r>
-              <a:rPr lang="ko-KR" altLang="en-US" dirty="0" smtClean="0"/>
-              <a:t>패턴이라는 것이 존재한다</a:t>
-            </a:r>
-            <a:r>
-              <a:rPr lang="en-US" altLang="ko-KR" dirty="0" smtClean="0"/>
-              <a:t>.</a:t>
-            </a:r>
-            <a:r>
-              <a:rPr lang="ko-KR" altLang="en-US" dirty="0" smtClean="0"/>
-              <a:t> </a:t>
-            </a:r>
-            <a:endParaRPr lang="en-US" altLang="ko-KR" dirty="0" smtClean="0"/>
-          </a:p>
-          <a:p>
-            <a:endParaRPr lang="en-US" altLang="ko-KR" dirty="0"/>
-          </a:p>
-          <a:p>
-            <a:endParaRPr lang="en-US" altLang="ko-KR" dirty="0"/>
-          </a:p>
-          <a:p>
-            <a:endParaRPr lang="en-US" altLang="ko-KR" dirty="0" smtClean="0"/>
-          </a:p>
-          <a:p>
-            <a:endParaRPr lang="en-US" altLang="ko-KR" dirty="0" smtClean="0"/>
           </a:p>
         </p:txBody>
       </p:sp>
@@ -3646,14 +3630,169 @@
       </p:grpSpPr>
       <p:sp>
         <p:nvSpPr>
-          <p:cNvPr id="3" name="TextBox 2"/>
+          <p:cNvPr id="2" name="직사각형 1"/>
+          <p:cNvSpPr/>
+          <p:nvPr/>
+        </p:nvSpPr>
+        <p:spPr>
+          <a:xfrm>
+            <a:off x="808178" y="2303643"/>
+            <a:ext cx="3754585" cy="369332"/>
+          </a:xfrm>
+          <a:prstGeom prst="rect">
+            <a:avLst/>
+          </a:prstGeom>
+        </p:spPr>
+        <p:txBody>
+          <a:bodyPr wrap="square">
+            <a:spAutoFit/>
+          </a:bodyPr>
+          <a:lstStyle/>
+          <a:p>
+            <a:r>
+              <a:rPr lang="en-US" altLang="ko-KR" dirty="0"/>
+              <a:t>Model      :</a:t>
+            </a:r>
+            <a:r>
+              <a:rPr lang="ko-KR" altLang="en-US" dirty="0"/>
+              <a:t> </a:t>
+            </a:r>
+            <a:r>
+              <a:rPr lang="ko-KR" altLang="en-US" dirty="0" smtClean="0"/>
+              <a:t>데이터를 다루는 부분</a:t>
+            </a:r>
+            <a:endParaRPr lang="en-US" altLang="ko-KR" dirty="0"/>
+          </a:p>
+        </p:txBody>
+      </p:sp>
+      <p:sp>
+        <p:nvSpPr>
+          <p:cNvPr id="5" name="직사각형 4"/>
+          <p:cNvSpPr/>
+          <p:nvPr/>
+        </p:nvSpPr>
+        <p:spPr>
+          <a:xfrm>
+            <a:off x="1526795" y="1552406"/>
+            <a:ext cx="2751459" cy="584775"/>
+          </a:xfrm>
+          <a:prstGeom prst="rect">
+            <a:avLst/>
+          </a:prstGeom>
+        </p:spPr>
+        <p:txBody>
+          <a:bodyPr wrap="none">
+            <a:spAutoFit/>
+          </a:bodyPr>
+          <a:lstStyle/>
+          <a:p>
+            <a:r>
+              <a:rPr lang="en-US" altLang="ko-KR" sz="3200" dirty="0"/>
+              <a:t>MVC </a:t>
+            </a:r>
+            <a:r>
+              <a:rPr lang="ko-KR" altLang="en-US" sz="3200" dirty="0"/>
+              <a:t>패턴은</a:t>
+            </a:r>
+            <a:r>
+              <a:rPr lang="en-US" altLang="ko-KR" sz="3200" dirty="0"/>
+              <a:t>…</a:t>
+            </a:r>
+          </a:p>
+        </p:txBody>
+      </p:sp>
+      <p:sp>
+        <p:nvSpPr>
+          <p:cNvPr id="6" name="직사각형 5"/>
+          <p:cNvSpPr/>
+          <p:nvPr/>
+        </p:nvSpPr>
+        <p:spPr>
+          <a:xfrm>
+            <a:off x="808178" y="2752846"/>
+            <a:ext cx="4188694" cy="369332"/>
+          </a:xfrm>
+          <a:prstGeom prst="rect">
+            <a:avLst/>
+          </a:prstGeom>
+        </p:spPr>
+        <p:txBody>
+          <a:bodyPr wrap="square">
+            <a:spAutoFit/>
+          </a:bodyPr>
+          <a:lstStyle/>
+          <a:p>
+            <a:r>
+              <a:rPr lang="en-US" altLang="ko-KR" dirty="0" smtClean="0"/>
+              <a:t>View        : </a:t>
+            </a:r>
+            <a:r>
+              <a:rPr lang="ko-KR" altLang="en-US" dirty="0" smtClean="0"/>
+              <a:t>사용자에게 보여지는 부분</a:t>
+            </a:r>
+            <a:endParaRPr lang="en-US" altLang="ko-KR" dirty="0"/>
+          </a:p>
+        </p:txBody>
+      </p:sp>
+      <p:sp>
+        <p:nvSpPr>
+          <p:cNvPr id="7" name="직사각형 6"/>
+          <p:cNvSpPr/>
+          <p:nvPr/>
+        </p:nvSpPr>
+        <p:spPr>
+          <a:xfrm>
+            <a:off x="808178" y="3202049"/>
+            <a:ext cx="4761349" cy="369332"/>
+          </a:xfrm>
+          <a:prstGeom prst="rect">
+            <a:avLst/>
+          </a:prstGeom>
+        </p:spPr>
+        <p:txBody>
+          <a:bodyPr wrap="square">
+            <a:spAutoFit/>
+          </a:bodyPr>
+          <a:lstStyle/>
+          <a:p>
+            <a:r>
+              <a:rPr lang="en-US" altLang="ko-KR" dirty="0" smtClean="0"/>
+              <a:t>Controller :</a:t>
+            </a:r>
+            <a:r>
+              <a:rPr lang="ko-KR" altLang="en-US" dirty="0"/>
+              <a:t> </a:t>
+            </a:r>
+            <a:r>
+              <a:rPr lang="en-US" altLang="ko-KR" dirty="0" smtClean="0"/>
+              <a:t>Model</a:t>
+            </a:r>
+            <a:r>
+              <a:rPr lang="ko-KR" altLang="en-US" dirty="0" smtClean="0"/>
+              <a:t>과 </a:t>
+            </a:r>
+            <a:r>
+              <a:rPr lang="en-US" altLang="ko-KR" dirty="0" smtClean="0"/>
+              <a:t>View</a:t>
+            </a:r>
+            <a:r>
+              <a:rPr lang="ko-KR" altLang="en-US" dirty="0" smtClean="0"/>
+              <a:t>를 조작하는 부분</a:t>
+            </a:r>
+            <a:endParaRPr lang="en-US" altLang="ko-KR" dirty="0"/>
+          </a:p>
+        </p:txBody>
+      </p:sp>
+      <p:sp>
+        <p:nvSpPr>
+          <p:cNvPr id="13" name="TextBox 12"/>
           <p:cNvSpPr txBox="1"/>
           <p:nvPr/>
         </p:nvSpPr>
         <p:spPr>
           <a:xfrm>
-            <a:off x="507076" y="457200"/>
-            <a:ext cx="5178829" cy="584775"/>
+            <a:off x="4562763" y="358309"/>
+            <a:ext cx="2781993" cy="769441"/>
           </a:xfrm>
           <a:prstGeom prst="rect">
             <a:avLst/>
@@ -3666,268 +3805,37 @@
           </a:bodyPr>
           <a:lstStyle/>
           <a:p>
-            <a:r>
-              <a:rPr lang="en-US" altLang="ko-KR" sz="3200" smtClean="0"/>
+            <a:pPr algn="ctr"/>
+            <a:r>
+              <a:rPr lang="en-US" altLang="ko-KR" sz="4400" dirty="0" smtClean="0"/>
               <a:t>MVC </a:t>
             </a:r>
             <a:r>
-              <a:rPr lang="ko-KR" altLang="en-US" sz="3200" smtClean="0"/>
+              <a:rPr lang="ko-KR" altLang="en-US" sz="4400" dirty="0" smtClean="0"/>
               <a:t>패턴</a:t>
             </a:r>
-            <a:endParaRPr lang="ko-KR" altLang="en-US" dirty="0"/>
-          </a:p>
-        </p:txBody>
-      </p:sp>
-      <p:sp>
-        <p:nvSpPr>
-          <p:cNvPr id="2" name="직사각형 1"/>
-          <p:cNvSpPr/>
-          <p:nvPr/>
-        </p:nvSpPr>
-        <p:spPr>
-          <a:xfrm>
-            <a:off x="507076" y="1803339"/>
-            <a:ext cx="11056851" cy="369332"/>
-          </a:xfrm>
-          <a:prstGeom prst="rect">
-            <a:avLst/>
-          </a:prstGeom>
-        </p:spPr>
-        <p:txBody>
-          <a:bodyPr wrap="square">
-            <a:spAutoFit/>
-          </a:bodyPr>
-          <a:lstStyle/>
-          <a:p>
-            <a:r>
-              <a:rPr lang="en-US" altLang="ko-KR" dirty="0"/>
-              <a:t>Model      :</a:t>
-            </a:r>
-            <a:r>
-              <a:rPr lang="ko-KR" altLang="en-US" dirty="0"/>
-              <a:t> 사용자에게 보여지지 않는 데이터베이스를 </a:t>
-            </a:r>
-            <a:r>
-              <a:rPr lang="ko-KR" altLang="en-US" dirty="0" smtClean="0"/>
-              <a:t>다루는 부분</a:t>
-            </a:r>
-            <a:endParaRPr lang="en-US" altLang="ko-KR" dirty="0"/>
-          </a:p>
-        </p:txBody>
-      </p:sp>
-      <p:sp>
-        <p:nvSpPr>
-          <p:cNvPr id="5" name="직사각형 4"/>
-          <p:cNvSpPr/>
-          <p:nvPr/>
-        </p:nvSpPr>
-        <p:spPr>
-          <a:xfrm>
-            <a:off x="507076" y="1434007"/>
-            <a:ext cx="1628587" cy="369332"/>
-          </a:xfrm>
-          <a:prstGeom prst="rect">
-            <a:avLst/>
-          </a:prstGeom>
-        </p:spPr>
-        <p:txBody>
-          <a:bodyPr wrap="none">
-            <a:spAutoFit/>
-          </a:bodyPr>
-          <a:lstStyle/>
-          <a:p>
-            <a:r>
-              <a:rPr lang="en-US" altLang="ko-KR" dirty="0"/>
-              <a:t>MVC </a:t>
-            </a:r>
-            <a:r>
-              <a:rPr lang="ko-KR" altLang="en-US" dirty="0"/>
-              <a:t>패턴은</a:t>
-            </a:r>
-            <a:r>
-              <a:rPr lang="en-US" altLang="ko-KR" dirty="0"/>
-              <a:t>…</a:t>
-            </a:r>
-          </a:p>
-        </p:txBody>
-      </p:sp>
-      <p:sp>
-        <p:nvSpPr>
-          <p:cNvPr id="6" name="직사각형 5"/>
-          <p:cNvSpPr/>
-          <p:nvPr/>
-        </p:nvSpPr>
-        <p:spPr>
-          <a:xfrm>
-            <a:off x="507075" y="2195371"/>
-            <a:ext cx="11056851" cy="369332"/>
-          </a:xfrm>
-          <a:prstGeom prst="rect">
-            <a:avLst/>
-          </a:prstGeom>
-        </p:spPr>
-        <p:txBody>
-          <a:bodyPr wrap="square">
-            <a:spAutoFit/>
-          </a:bodyPr>
-          <a:lstStyle/>
-          <a:p>
-            <a:r>
-              <a:rPr lang="en-US" altLang="ko-KR" dirty="0" smtClean="0"/>
-              <a:t>View        : </a:t>
-            </a:r>
-            <a:r>
-              <a:rPr lang="ko-KR" altLang="en-US" dirty="0" smtClean="0"/>
-              <a:t>사용자에게 보여지는 화면</a:t>
-            </a:r>
-            <a:r>
-              <a:rPr lang="en-US" altLang="ko-KR" dirty="0" smtClean="0"/>
-              <a:t>(</a:t>
-            </a:r>
-            <a:r>
-              <a:rPr lang="ko-KR" altLang="en-US" dirty="0" smtClean="0"/>
-              <a:t>출력</a:t>
-            </a:r>
-            <a:r>
-              <a:rPr lang="en-US" altLang="ko-KR" dirty="0" smtClean="0"/>
-              <a:t>)</a:t>
-            </a:r>
-            <a:r>
-              <a:rPr lang="ko-KR" altLang="en-US" dirty="0" smtClean="0"/>
-              <a:t>과 사용자로부터 입력을 받는 부분</a:t>
-            </a:r>
-            <a:endParaRPr lang="en-US" altLang="ko-KR" dirty="0"/>
-          </a:p>
-        </p:txBody>
-      </p:sp>
-      <p:sp>
-        <p:nvSpPr>
-          <p:cNvPr id="7" name="직사각형 6"/>
-          <p:cNvSpPr/>
-          <p:nvPr/>
-        </p:nvSpPr>
-        <p:spPr>
-          <a:xfrm>
-            <a:off x="507075" y="2587403"/>
-            <a:ext cx="11056851" cy="369332"/>
-          </a:xfrm>
-          <a:prstGeom prst="rect">
-            <a:avLst/>
-          </a:prstGeom>
-        </p:spPr>
-        <p:txBody>
-          <a:bodyPr wrap="square">
-            <a:spAutoFit/>
-          </a:bodyPr>
-          <a:lstStyle/>
-          <a:p>
-            <a:r>
-              <a:rPr lang="en-US" altLang="ko-KR" dirty="0" smtClean="0"/>
-              <a:t>Controller :</a:t>
-            </a:r>
-            <a:r>
-              <a:rPr lang="ko-KR" altLang="en-US" dirty="0"/>
-              <a:t> </a:t>
-            </a:r>
-            <a:r>
-              <a:rPr lang="en-US" altLang="ko-KR" dirty="0" smtClean="0"/>
-              <a:t>Model</a:t>
-            </a:r>
-            <a:r>
-              <a:rPr lang="ko-KR" altLang="en-US" dirty="0" smtClean="0"/>
-              <a:t>과 </a:t>
-            </a:r>
-            <a:r>
-              <a:rPr lang="en-US" altLang="ko-KR" dirty="0" smtClean="0"/>
-              <a:t>View</a:t>
-            </a:r>
-            <a:r>
-              <a:rPr lang="ko-KR" altLang="en-US" dirty="0" smtClean="0"/>
-              <a:t>를 조작하고</a:t>
-            </a:r>
-            <a:r>
-              <a:rPr lang="en-US" altLang="ko-KR" dirty="0" smtClean="0"/>
-              <a:t>, </a:t>
-            </a:r>
-            <a:r>
-              <a:rPr lang="ko-KR" altLang="en-US" dirty="0" smtClean="0"/>
-              <a:t>서로를 연결시켜주는 부분</a:t>
-            </a:r>
-            <a:endParaRPr lang="en-US" altLang="ko-KR" dirty="0"/>
-          </a:p>
-        </p:txBody>
-      </p:sp>
-      <p:sp>
-        <p:nvSpPr>
-          <p:cNvPr id="8" name="직사각형 7"/>
-          <p:cNvSpPr/>
-          <p:nvPr/>
-        </p:nvSpPr>
-        <p:spPr>
-          <a:xfrm>
-            <a:off x="507074" y="3087408"/>
-            <a:ext cx="11186161" cy="646331"/>
-          </a:xfrm>
-          <a:prstGeom prst="rect">
-            <a:avLst/>
-          </a:prstGeom>
-        </p:spPr>
-        <p:txBody>
-          <a:bodyPr wrap="square">
-            <a:spAutoFit/>
-          </a:bodyPr>
-          <a:lstStyle/>
-          <a:p>
-            <a:r>
-              <a:rPr lang="ko-KR" altLang="en-US" dirty="0"/>
-              <a:t>이렇게 세 가지의 부분으로 나누어진 것은 한 사람이 어플리케이션을 제작할 때도</a:t>
-            </a:r>
-            <a:r>
-              <a:rPr lang="en-US" altLang="ko-KR" dirty="0"/>
-              <a:t>, </a:t>
-            </a:r>
-            <a:r>
-              <a:rPr lang="ko-KR" altLang="en-US" dirty="0"/>
-              <a:t>일의 능률이 상승하지만</a:t>
-            </a:r>
-            <a:r>
-              <a:rPr lang="en-US" altLang="ko-KR" dirty="0"/>
-              <a:t>, </a:t>
-            </a:r>
-            <a:r>
-              <a:rPr lang="ko-KR" altLang="en-US" dirty="0"/>
-              <a:t>협업을 할 때</a:t>
-            </a:r>
-            <a:r>
-              <a:rPr lang="en-US" altLang="ko-KR" dirty="0"/>
-              <a:t> </a:t>
-            </a:r>
-            <a:r>
-              <a:rPr lang="ko-KR" altLang="en-US" dirty="0"/>
-              <a:t>큰 효과를 얻을 수 있다</a:t>
-            </a:r>
-            <a:r>
-              <a:rPr lang="en-US" altLang="ko-KR" dirty="0"/>
-              <a:t>. </a:t>
-            </a:r>
-          </a:p>
-        </p:txBody>
-      </p:sp>
-      <p:sp>
-        <p:nvSpPr>
-          <p:cNvPr id="9" name="TextBox 8"/>
+            <a:endParaRPr lang="ko-KR" altLang="en-US" sz="2800" dirty="0"/>
+          </a:p>
+        </p:txBody>
+      </p:sp>
+      <p:sp>
+        <p:nvSpPr>
+          <p:cNvPr id="27" name="TextBox 26"/>
           <p:cNvSpPr txBox="1"/>
           <p:nvPr/>
         </p:nvSpPr>
         <p:spPr>
           <a:xfrm>
-            <a:off x="689954" y="4110181"/>
-            <a:ext cx="4813071" cy="1200329"/>
+            <a:off x="6520813" y="1552406"/>
+            <a:ext cx="4813071" cy="1692771"/>
           </a:xfrm>
           <a:prstGeom prst="rect">
             <a:avLst/>
           </a:prstGeom>
           <a:noFill/>
+          <a:ln w="31750">
+            <a:noFill/>
+          </a:ln>
         </p:spPr>
         <p:txBody>
           <a:bodyPr wrap="square" rtlCol="0">
@@ -3936,10 +3844,10 @@
           <a:lstStyle/>
           <a:p>
             <a:r>
-              <a:rPr lang="ko-KR" altLang="en-US" dirty="0" smtClean="0"/>
+              <a:rPr lang="ko-KR" altLang="en-US" sz="3200" dirty="0" smtClean="0"/>
               <a:t>장점</a:t>
             </a:r>
-            <a:endParaRPr lang="en-US" altLang="ko-KR" dirty="0"/>
+            <a:endParaRPr lang="en-US" altLang="ko-KR" sz="3200" dirty="0"/>
           </a:p>
           <a:p>
             <a:pPr marL="285750" indent="-285750">
@@ -3948,15 +3856,7 @@
             </a:pPr>
             <a:r>
               <a:rPr lang="ko-KR" altLang="en-US" dirty="0" smtClean="0"/>
-              <a:t>어플리케이션 제작을 </a:t>
-            </a:r>
-            <a:r>
-              <a:rPr lang="ko-KR" altLang="en-US" dirty="0" smtClean="0"/>
-              <a:t>분업하여 </a:t>
-            </a:r>
-            <a:r>
-              <a:rPr lang="ko-KR" altLang="en-US" dirty="0" smtClean="0"/>
-              <a:t>빠르게 진행할 수 있다</a:t>
+              <a:t>어플리케이션 제작을 분업하여 빠르게 진행할 수 있다</a:t>
             </a:r>
             <a:r>
               <a:rPr lang="en-US" altLang="ko-KR" dirty="0" smtClean="0"/>
@@ -3970,22 +3870,33 @@
             </a:pPr>
             <a:r>
               <a:rPr lang="ko-KR" altLang="en-US" dirty="0"/>
-              <a:t>체계적인 코드로 유지보수에 용이함</a:t>
+              <a:t>체계적인 코드로 유지보수에 </a:t>
+            </a:r>
+            <a:r>
+              <a:rPr lang="ko-KR" altLang="en-US" dirty="0" smtClean="0"/>
+              <a:t>용이함</a:t>
             </a:r>
             <a:endParaRPr lang="en-US" altLang="ko-KR" dirty="0" smtClean="0"/>
           </a:p>
-        </p:txBody>
-      </p:sp>
-      <p:sp>
-        <p:nvSpPr>
-          <p:cNvPr id="10" name="TextBox 9"/>
+          <a:p>
+            <a:pPr marL="285750" indent="-285750">
+              <a:buFontTx/>
+              <a:buChar char="-"/>
+            </a:pPr>
+            <a:endParaRPr lang="en-US" altLang="ko-KR" dirty="0" smtClean="0"/>
+          </a:p>
+        </p:txBody>
+      </p:sp>
+      <p:sp>
+        <p:nvSpPr>
+          <p:cNvPr id="28" name="TextBox 27"/>
           <p:cNvSpPr txBox="1"/>
           <p:nvPr/>
         </p:nvSpPr>
         <p:spPr>
           <a:xfrm>
-            <a:off x="6100154" y="4110181"/>
-            <a:ext cx="4813071" cy="1477328"/>
+            <a:off x="6520812" y="3714666"/>
+            <a:ext cx="4813071" cy="1692771"/>
           </a:xfrm>
           <a:prstGeom prst="rect">
             <a:avLst/>
@@ -3999,14 +3910,14 @@
           <a:lstStyle/>
           <a:p>
             <a:r>
-              <a:rPr lang="ko-KR" altLang="en-US" dirty="0"/>
+              <a:rPr lang="ko-KR" altLang="en-US" sz="3200" dirty="0"/>
               <a:t>단</a:t>
             </a:r>
             <a:r>
-              <a:rPr lang="ko-KR" altLang="en-US" dirty="0" smtClean="0"/>
+              <a:rPr lang="ko-KR" altLang="en-US" sz="3200" dirty="0" smtClean="0"/>
               <a:t>점</a:t>
             </a:r>
-            <a:endParaRPr lang="en-US" altLang="ko-KR" dirty="0"/>
+            <a:endParaRPr lang="en-US" altLang="ko-KR" sz="3200" dirty="0"/>
           </a:p>
           <a:p>
             <a:pPr marL="285750" indent="-285750">
@@ -4059,52 +3970,30 @@
           </a:p>
         </p:txBody>
       </p:sp>
-      <p:sp>
-        <p:nvSpPr>
-          <p:cNvPr id="11" name="직사각형 10"/>
-          <p:cNvSpPr/>
+      <p:pic>
+        <p:nvPicPr>
+          <p:cNvPr id="29" name="그림 28"/>
+          <p:cNvPicPr>
+            <a:picLocks noChangeAspect="1"/>
+          </p:cNvPicPr>
           <p:nvPr/>
-        </p:nvSpPr>
-        <p:spPr>
-          <a:xfrm>
-            <a:off x="350982" y="1330037"/>
-            <a:ext cx="11471563" cy="2521528"/>
+        </p:nvPicPr>
+        <p:blipFill>
+          <a:blip r:embed="rId2"/>
+          <a:stretch>
+            <a:fillRect/>
+          </a:stretch>
+        </p:blipFill>
+        <p:spPr>
+          <a:xfrm>
+            <a:off x="1242287" y="3717758"/>
+            <a:ext cx="3643749" cy="2022005"/>
           </a:xfrm>
           <a:prstGeom prst="rect">
             <a:avLst/>
           </a:prstGeom>
-          <a:noFill/>
-          <a:ln w="44450">
-            <a:solidFill>
-              <a:schemeClr val="tx1"/>
-            </a:solidFill>
-          </a:ln>
-        </p:spPr>
-        <p:style>
-          <a:lnRef idx="2">
-            <a:schemeClr val="accent1">
-              <a:shade val="50000"/>
-            </a:schemeClr>
-          </a:lnRef>
-          <a:fillRef idx="1">
-            <a:schemeClr val="accent1"/>
-          </a:fillRef>
-          <a:effectRef idx="0">
-            <a:schemeClr val="accent1"/>
-          </a:effectRef>
-          <a:fontRef idx="minor">
-            <a:schemeClr val="lt1"/>
-          </a:fontRef>
-        </p:style>
-        <p:txBody>
-          <a:bodyPr rtlCol="0" anchor="ctr"/>
-          <a:lstStyle/>
-          <a:p>
-            <a:pPr algn="ctr"/>
-            <a:endParaRPr lang="ko-KR" altLang="en-US"/>
-          </a:p>
-        </p:txBody>
-      </p:sp>
+        </p:spPr>
+      </p:pic>
     </p:spTree>
     <p:extLst>
       <p:ext uri="{BB962C8B-B14F-4D97-AF65-F5344CB8AC3E}">
@@ -4239,7 +4128,7 @@
             </a:r>
           </a:p>
           <a:p>
-            <a:endParaRPr lang="en-US" altLang="ko-KR" dirty="0"/>
+            <a:endParaRPr lang="en-US" altLang="ko-KR" dirty="0" smtClean="0"/>
           </a:p>
           <a:p>
             <a:r>
@@ -4606,7 +4495,11 @@
             </a:r>
             <a:r>
               <a:rPr lang="en-US" altLang="ko-KR" dirty="0" smtClean="0"/>
-              <a:t>database </a:t>
+              <a:t>Model</a:t>
+            </a:r>
+            <a:r>
+              <a:rPr lang="en-US" altLang="ko-KR" dirty="0" smtClean="0"/>
+              <a:t> </a:t>
             </a:r>
             <a:r>
               <a:rPr lang="ko-KR" altLang="en-US" dirty="0" smtClean="0"/>
@@ -4626,7 +4519,15 @@
             </a:r>
             <a:r>
               <a:rPr lang="ko-KR" altLang="en-US" dirty="0" smtClean="0"/>
-              <a:t>에서 저장을 완료 후 로그인 할 때</a:t>
+              <a:t>에서 저장을 </a:t>
+            </a:r>
+            <a:r>
+              <a:rPr lang="ko-KR" altLang="en-US" dirty="0" smtClean="0"/>
+              <a:t>완료한 </a:t>
+            </a:r>
+            <a:r>
+              <a:rPr lang="ko-KR" altLang="en-US" dirty="0" smtClean="0"/>
+              <a:t>후 로그인 할 때</a:t>
             </a:r>
             <a:r>
               <a:rPr lang="en-US" altLang="ko-KR" dirty="0" smtClean="0"/>
@@ -4650,11 +4551,15 @@
             </a:r>
             <a:r>
               <a:rPr lang="en-US" altLang="ko-KR" dirty="0" smtClean="0"/>
-              <a:t>database</a:t>
+              <a:t>Model</a:t>
             </a:r>
             <a:r>
               <a:rPr lang="ko-KR" altLang="en-US" dirty="0" smtClean="0"/>
-              <a:t>에 있는 정보와 사용자로부터 얻은 아이디와 비밀번호를 비교 후 </a:t>
+              <a:t>에 </a:t>
+            </a:r>
+            <a:r>
+              <a:rPr lang="ko-KR" altLang="en-US" dirty="0" smtClean="0"/>
+              <a:t>있는 정보와 사용자로부터 얻은 아이디와 비밀번호를 비교 후 </a:t>
             </a:r>
             <a:r>
               <a:rPr lang="en-US" altLang="ko-KR" dirty="0" smtClean="0"/>
@@ -4686,7 +4591,15 @@
             </a:r>
             <a:r>
               <a:rPr lang="ko-KR" altLang="en-US" dirty="0" smtClean="0"/>
-              <a:t>를 출력하도록 조작을 하는 부분을 담당하고 있습니다</a:t>
+              <a:t>를 출력하도록 </a:t>
+            </a:r>
+            <a:r>
+              <a:rPr lang="ko-KR" altLang="en-US" dirty="0" smtClean="0"/>
+              <a:t>조작 </a:t>
+            </a:r>
+            <a:r>
+              <a:rPr lang="ko-KR" altLang="en-US" dirty="0" smtClean="0"/>
+              <a:t>하는 부분을 담당하고 있습니다</a:t>
             </a:r>
             <a:r>
               <a:rPr lang="en-US" altLang="ko-KR" dirty="0" smtClean="0"/>
